--- a/3-Machine_Learning/1-Supervisado/3-RegorClass/5-Decision_Trees/ML - Árboles de decisión.pptx
+++ b/3-Machine_Learning/1-Supervisado/3-RegorClass/5-Decision_Trees/ML - Árboles de decisión.pptx
@@ -269,7 +269,7 @@
       <p15:sldGuideLst xmlns:p15="http://schemas.microsoft.com/office/powerpoint/2012/main"/>
     </p:ext>
     <p:ext uri="http://customooxmlschemas.google.com/">
-      <go:slidesCustomData xmlns="" xmlns:mc="http://schemas.openxmlformats.org/markup-compatibility/2006" xmlns:mv="urn:schemas-microsoft-com:mac:vml" xmlns:c="http://schemas.openxmlformats.org/drawingml/2006/chart" xmlns:dgm="http://schemas.openxmlformats.org/drawingml/2006/diagram" xmlns:o="urn:schemas-microsoft-com:office:office" xmlns:v="urn:schemas-microsoft-com:vml" xmlns:pvml="urn:schemas-microsoft-com:office:powerpoint" xmlns:com="http://schemas.openxmlformats.org/drawingml/2006/compatibility" xmlns:p14="http://schemas.microsoft.com/office/powerpoint/2010/main" xmlns:p15="http://schemas.microsoft.com/office/powerpoint/2012/main" xmlns:ahyp="http://schemas.microsoft.com/office/drawing/2018/hyperlinkcolor" xmlns:go="http://customooxmlschemas.google.com/" r:id="rId27" roundtripDataSignature="AMtx7mgy8Q33eZXfoNut22cPRCqlbQqUew=="/>
+      <go:slidesCustomData xmlns:go="http://customooxmlschemas.google.com/" xmlns:ahyp="http://schemas.microsoft.com/office/drawing/2018/hyperlinkcolor" xmlns:p15="http://schemas.microsoft.com/office/powerpoint/2012/main" xmlns:p14="http://schemas.microsoft.com/office/powerpoint/2010/main" xmlns:com="http://schemas.openxmlformats.org/drawingml/2006/compatibility" xmlns:pvml="urn:schemas-microsoft-com:office:powerpoint" xmlns:v="urn:schemas-microsoft-com:vml" xmlns:o="urn:schemas-microsoft-com:office:office" xmlns:dgm="http://schemas.openxmlformats.org/drawingml/2006/diagram" xmlns:c="http://schemas.openxmlformats.org/drawingml/2006/chart" xmlns:mv="urn:schemas-microsoft-com:mac:vml" xmlns:mc="http://schemas.openxmlformats.org/markup-compatibility/2006" xmlns="" r:id="rId27" roundtripDataSignature="AMtx7mgy8Q33eZXfoNut22cPRCqlbQqUew=="/>
     </p:ext>
   </p:extLst>
 </p:presentation>
@@ -16288,14 +16288,14 @@
               <a:buNone/>
             </a:pPr>
             <a:r>
-              <a:rPr lang="en-GB">
+              <a:rPr lang="en-GB" dirty="0">
                 <a:solidFill>
                   <a:srgbClr val="FF0000"/>
                 </a:solidFill>
               </a:rPr>
-              <a:t>Prunning</a:t>
-            </a:r>
-            <a:endParaRPr/>
+              <a:t>Pruning</a:t>
+            </a:r>
+            <a:endParaRPr dirty="0"/>
           </a:p>
         </p:txBody>
       </p:sp>
@@ -20835,14 +20835,14 @@
               <a:buNone/>
             </a:pPr>
             <a:r>
-              <a:rPr lang="en-GB">
+              <a:rPr lang="en-GB" dirty="0">
                 <a:solidFill>
                   <a:schemeClr val="accent1"/>
                 </a:solidFill>
               </a:rPr>
               <a:t>¡Demo time!</a:t>
             </a:r>
-            <a:endParaRPr sz="5500">
+            <a:endParaRPr sz="5500" dirty="0">
               <a:solidFill>
                 <a:schemeClr val="accent1"/>
               </a:solidFill>
@@ -20867,7 +20867,7 @@
               <a:buNone/>
             </a:pPr>
             <a:r>
-              <a:rPr lang="en-GB" sz="2200" u="sng">
+              <a:rPr lang="en-GB" sz="2200" u="sng" dirty="0">
                 <a:solidFill>
                   <a:schemeClr val="hlink"/>
                 </a:solidFill>
@@ -20879,7 +20879,7 @@
               </a:rPr>
               <a:t>http://www.r2d3.us/visual-intro-to-machine-learning-part-1/</a:t>
             </a:r>
-            <a:endParaRPr sz="5500">
+            <a:endParaRPr sz="5500" dirty="0">
               <a:solidFill>
                 <a:schemeClr val="accent1"/>
               </a:solidFill>
